--- a/3-reinforcement_learning/3A-reinforcement_learning/BAMB_tutorial3A_RL.pptx
+++ b/3-reinforcement_learning/3A-reinforcement_learning/BAMB_tutorial3A_RL.pptx
@@ -118,7 +118,7 @@
   </p:defaultTextStyle>
   <p:extLst>
     <p:ext uri="{EFAFB233-063F-42B5-8137-9DF3F51BA10A}">
-      <p15:sldGuideLst xmlns:p15="http://schemas.microsoft.com/office/powerpoint/2012/main" xmlns=""/>
+      <p15:sldGuideLst xmlns="" xmlns:p15="http://schemas.microsoft.com/office/powerpoint/2012/main"/>
     </p:ext>
   </p:extLst>
 </p:presentation>
@@ -206,7 +206,7 @@
           <a:p>
             <a:fld id="{FCD2E7CB-BF52-8F42-93A3-C1F154DBC5E9}" type="datetimeFigureOut">
               <a:rPr lang="fr-FR" smtClean="0"/>
-              <a:t>04/07/23</a:t>
+              <a:t>13/07/23</a:t>
             </a:fld>
             <a:endParaRPr lang="en-GB"/>
           </a:p>
@@ -518,6 +518,1232 @@
           <a:bodyPr/>
           <a:lstStyle/>
           <a:p>
+            <a:pPr marL="0" marR="0" indent="0" algn="l" defTabSz="457200" rtl="0" eaLnBrk="1" fontAlgn="auto" latinLnBrk="0" hangingPunct="1">
+              <a:lnSpc>
+                <a:spcPct val="100000"/>
+              </a:lnSpc>
+              <a:spcBef>
+                <a:spcPts val="0"/>
+              </a:spcBef>
+              <a:spcAft>
+                <a:spcPts val="0"/>
+              </a:spcAft>
+              <a:buClrTx/>
+              <a:buSzTx/>
+              <a:buFontTx/>
+              <a:buNone/>
+              <a:tabLst/>
+              <a:defRPr/>
+            </a:pPr>
+            <a:r>
+              <a:rPr lang="fr-FR" sz="1200" b="1" kern="1200" dirty="0" err="1" smtClean="0">
+                <a:solidFill>
+                  <a:schemeClr val="tx1"/>
+                </a:solidFill>
+                <a:effectLst/>
+                <a:latin typeface="+mn-lt"/>
+                <a:ea typeface="+mn-ea"/>
+                <a:cs typeface="+mn-cs"/>
+              </a:rPr>
+              <a:t>Choice</a:t>
+            </a:r>
+            <a:r>
+              <a:rPr lang="fr-FR" sz="1200" b="1" kern="1200" dirty="0" smtClean="0">
+                <a:solidFill>
+                  <a:schemeClr val="tx1"/>
+                </a:solidFill>
+                <a:effectLst/>
+                <a:latin typeface="+mn-lt"/>
+                <a:ea typeface="+mn-ea"/>
+                <a:cs typeface="+mn-cs"/>
+              </a:rPr>
+              <a:t> </a:t>
+            </a:r>
+            <a:r>
+              <a:rPr lang="fr-FR" sz="1200" b="1" kern="1200" dirty="0" err="1" smtClean="0">
+                <a:solidFill>
+                  <a:schemeClr val="tx1"/>
+                </a:solidFill>
+                <a:effectLst/>
+                <a:latin typeface="+mn-lt"/>
+                <a:ea typeface="+mn-ea"/>
+                <a:cs typeface="+mn-cs"/>
+              </a:rPr>
+              <a:t>kernel</a:t>
+            </a:r>
+            <a:r>
+              <a:rPr lang="fr-FR" sz="1200" b="1" kern="1200" dirty="0" smtClean="0">
+                <a:solidFill>
+                  <a:schemeClr val="tx1"/>
+                </a:solidFill>
+                <a:effectLst/>
+                <a:latin typeface="+mn-lt"/>
+                <a:ea typeface="+mn-ea"/>
+                <a:cs typeface="+mn-cs"/>
+              </a:rPr>
+              <a:t>. </a:t>
+            </a:r>
+            <a:r>
+              <a:rPr lang="fr-FR" sz="1200" kern="1200" dirty="0" smtClean="0">
+                <a:solidFill>
+                  <a:schemeClr val="tx1"/>
+                </a:solidFill>
+                <a:effectLst/>
+                <a:latin typeface="+mn-lt"/>
+                <a:ea typeface="+mn-ea"/>
+                <a:cs typeface="+mn-cs"/>
+              </a:rPr>
+              <a:t>This model tries to capture the </a:t>
+            </a:r>
+            <a:r>
+              <a:rPr lang="fr-FR" sz="1200" kern="1200" dirty="0" err="1" smtClean="0">
+                <a:solidFill>
+                  <a:schemeClr val="tx1"/>
+                </a:solidFill>
+                <a:effectLst/>
+                <a:latin typeface="+mn-lt"/>
+                <a:ea typeface="+mn-ea"/>
+                <a:cs typeface="+mn-cs"/>
+              </a:rPr>
+              <a:t>tendency</a:t>
+            </a:r>
+            <a:r>
+              <a:rPr lang="fr-FR" sz="1200" kern="1200" dirty="0" smtClean="0">
+                <a:solidFill>
+                  <a:schemeClr val="tx1"/>
+                </a:solidFill>
+                <a:effectLst/>
+                <a:latin typeface="+mn-lt"/>
+                <a:ea typeface="+mn-ea"/>
+                <a:cs typeface="+mn-cs"/>
+              </a:rPr>
+              <a:t> for people to </a:t>
+            </a:r>
+            <a:r>
+              <a:rPr lang="fr-FR" sz="1200" kern="1200" dirty="0" err="1" smtClean="0">
+                <a:solidFill>
+                  <a:schemeClr val="tx1"/>
+                </a:solidFill>
+                <a:effectLst/>
+                <a:latin typeface="+mn-lt"/>
+                <a:ea typeface="+mn-ea"/>
+                <a:cs typeface="+mn-cs"/>
+              </a:rPr>
+              <a:t>repeat</a:t>
+            </a:r>
+            <a:r>
+              <a:rPr lang="fr-FR" sz="1200" kern="1200" dirty="0" smtClean="0">
+                <a:solidFill>
+                  <a:schemeClr val="tx1"/>
+                </a:solidFill>
+                <a:effectLst/>
+                <a:latin typeface="+mn-lt"/>
+                <a:ea typeface="+mn-ea"/>
+                <a:cs typeface="+mn-cs"/>
+              </a:rPr>
+              <a:t> </a:t>
+            </a:r>
+            <a:r>
+              <a:rPr lang="fr-FR" sz="1200" kern="1200" dirty="0" err="1" smtClean="0">
+                <a:solidFill>
+                  <a:schemeClr val="tx1"/>
+                </a:solidFill>
+                <a:effectLst/>
+                <a:latin typeface="+mn-lt"/>
+                <a:ea typeface="+mn-ea"/>
+                <a:cs typeface="+mn-cs"/>
+              </a:rPr>
+              <a:t>their</a:t>
+            </a:r>
+            <a:r>
+              <a:rPr lang="fr-FR" sz="1200" kern="1200" dirty="0" smtClean="0">
+                <a:solidFill>
+                  <a:schemeClr val="tx1"/>
+                </a:solidFill>
+                <a:effectLst/>
+                <a:latin typeface="+mn-lt"/>
+                <a:ea typeface="+mn-ea"/>
+                <a:cs typeface="+mn-cs"/>
+              </a:rPr>
+              <a:t> </a:t>
+            </a:r>
+            <a:r>
+              <a:rPr lang="fr-FR" sz="1200" kern="1200" dirty="0" err="1" smtClean="0">
+                <a:solidFill>
+                  <a:schemeClr val="tx1"/>
+                </a:solidFill>
+                <a:effectLst/>
+                <a:latin typeface="+mn-lt"/>
+                <a:ea typeface="+mn-ea"/>
+                <a:cs typeface="+mn-cs"/>
+              </a:rPr>
+              <a:t>previous</a:t>
+            </a:r>
+            <a:r>
+              <a:rPr lang="fr-FR" sz="1200" kern="1200" dirty="0" smtClean="0">
+                <a:solidFill>
+                  <a:schemeClr val="tx1"/>
+                </a:solidFill>
+                <a:effectLst/>
+                <a:latin typeface="+mn-lt"/>
+                <a:ea typeface="+mn-ea"/>
+                <a:cs typeface="+mn-cs"/>
+              </a:rPr>
+              <a:t> actions.</a:t>
+            </a:r>
+          </a:p>
+          <a:p>
+            <a:pPr marL="0" marR="0" indent="0" algn="l" defTabSz="457200" rtl="0" eaLnBrk="1" fontAlgn="auto" latinLnBrk="0" hangingPunct="1">
+              <a:lnSpc>
+                <a:spcPct val="100000"/>
+              </a:lnSpc>
+              <a:spcBef>
+                <a:spcPts val="0"/>
+              </a:spcBef>
+              <a:spcAft>
+                <a:spcPts val="0"/>
+              </a:spcAft>
+              <a:buClrTx/>
+              <a:buSzTx/>
+              <a:buFontTx/>
+              <a:buNone/>
+              <a:tabLst/>
+              <a:defRPr/>
+            </a:pPr>
+            <a:r>
+              <a:rPr lang="fr-FR" sz="1200" kern="1200" dirty="0" smtClean="0">
+                <a:solidFill>
+                  <a:schemeClr val="tx1"/>
+                </a:solidFill>
+                <a:effectLst/>
+                <a:latin typeface="+mn-lt"/>
+                <a:ea typeface="+mn-ea"/>
+                <a:cs typeface="+mn-cs"/>
+              </a:rPr>
+              <a:t>In </a:t>
+            </a:r>
+            <a:r>
+              <a:rPr lang="fr-FR" sz="1200" kern="1200" dirty="0" err="1" smtClean="0">
+                <a:solidFill>
+                  <a:schemeClr val="tx1"/>
+                </a:solidFill>
+                <a:effectLst/>
+                <a:latin typeface="+mn-lt"/>
+                <a:ea typeface="+mn-ea"/>
+                <a:cs typeface="+mn-cs"/>
+              </a:rPr>
+              <a:t>particular</a:t>
+            </a:r>
+            <a:r>
+              <a:rPr lang="fr-FR" sz="1200" kern="1200" dirty="0" smtClean="0">
+                <a:solidFill>
+                  <a:schemeClr val="tx1"/>
+                </a:solidFill>
+                <a:effectLst/>
+                <a:latin typeface="+mn-lt"/>
+                <a:ea typeface="+mn-ea"/>
+                <a:cs typeface="+mn-cs"/>
+              </a:rPr>
+              <a:t>, </a:t>
+            </a:r>
+            <a:r>
+              <a:rPr lang="fr-FR" sz="1200" kern="1200" dirty="0" err="1" smtClean="0">
+                <a:solidFill>
+                  <a:schemeClr val="tx1"/>
+                </a:solidFill>
+                <a:effectLst/>
+                <a:latin typeface="+mn-lt"/>
+                <a:ea typeface="+mn-ea"/>
+                <a:cs typeface="+mn-cs"/>
+              </a:rPr>
+              <a:t>we</a:t>
+            </a:r>
+            <a:r>
+              <a:rPr lang="fr-FR" sz="1200" kern="1200" dirty="0" smtClean="0">
+                <a:solidFill>
+                  <a:schemeClr val="tx1"/>
+                </a:solidFill>
+                <a:effectLst/>
+                <a:latin typeface="+mn-lt"/>
+                <a:ea typeface="+mn-ea"/>
+                <a:cs typeface="+mn-cs"/>
+              </a:rPr>
+              <a:t> assume </a:t>
+            </a:r>
+            <a:r>
+              <a:rPr lang="fr-FR" sz="1200" kern="1200" dirty="0" err="1" smtClean="0">
+                <a:solidFill>
+                  <a:schemeClr val="tx1"/>
+                </a:solidFill>
+                <a:effectLst/>
+                <a:latin typeface="+mn-lt"/>
+                <a:ea typeface="+mn-ea"/>
+                <a:cs typeface="+mn-cs"/>
+              </a:rPr>
+              <a:t>that</a:t>
+            </a:r>
+            <a:r>
+              <a:rPr lang="fr-FR" sz="1200" kern="1200" dirty="0" smtClean="0">
+                <a:solidFill>
+                  <a:schemeClr val="tx1"/>
+                </a:solidFill>
+                <a:effectLst/>
+                <a:latin typeface="+mn-lt"/>
+                <a:ea typeface="+mn-ea"/>
+                <a:cs typeface="+mn-cs"/>
+              </a:rPr>
+              <a:t> participants </a:t>
+            </a:r>
+            <a:r>
+              <a:rPr lang="fr-FR" sz="1200" kern="1200" dirty="0" err="1" smtClean="0">
+                <a:solidFill>
+                  <a:schemeClr val="tx1"/>
+                </a:solidFill>
+                <a:effectLst/>
+                <a:latin typeface="+mn-lt"/>
+                <a:ea typeface="+mn-ea"/>
+                <a:cs typeface="+mn-cs"/>
+              </a:rPr>
+              <a:t>compute</a:t>
+            </a:r>
+            <a:r>
+              <a:rPr lang="fr-FR" sz="1200" kern="1200" dirty="0" smtClean="0">
+                <a:solidFill>
+                  <a:schemeClr val="tx1"/>
+                </a:solidFill>
+                <a:effectLst/>
+                <a:latin typeface="+mn-lt"/>
+                <a:ea typeface="+mn-ea"/>
+                <a:cs typeface="+mn-cs"/>
+              </a:rPr>
+              <a:t> a ‘</a:t>
+            </a:r>
+            <a:r>
+              <a:rPr lang="fr-FR" sz="1200" kern="1200" dirty="0" err="1" smtClean="0">
+                <a:solidFill>
+                  <a:schemeClr val="tx1"/>
+                </a:solidFill>
+                <a:effectLst/>
+                <a:latin typeface="+mn-lt"/>
+                <a:ea typeface="+mn-ea"/>
+                <a:cs typeface="+mn-cs"/>
+              </a:rPr>
+              <a:t>choice</a:t>
+            </a:r>
+            <a:r>
+              <a:rPr lang="fr-FR" sz="1200" kern="1200" dirty="0" smtClean="0">
+                <a:solidFill>
+                  <a:schemeClr val="tx1"/>
+                </a:solidFill>
+                <a:effectLst/>
+                <a:latin typeface="+mn-lt"/>
+                <a:ea typeface="+mn-ea"/>
+                <a:cs typeface="+mn-cs"/>
+              </a:rPr>
+              <a:t> </a:t>
+            </a:r>
+            <a:r>
+              <a:rPr lang="fr-FR" sz="1200" kern="1200" dirty="0" err="1" smtClean="0">
+                <a:solidFill>
+                  <a:schemeClr val="tx1"/>
+                </a:solidFill>
+                <a:effectLst/>
+                <a:latin typeface="+mn-lt"/>
+                <a:ea typeface="+mn-ea"/>
+                <a:cs typeface="+mn-cs"/>
+              </a:rPr>
+              <a:t>kernel</a:t>
+            </a:r>
+            <a:r>
+              <a:rPr lang="fr-FR" sz="1200" kern="1200" dirty="0" smtClean="0">
+                <a:solidFill>
+                  <a:schemeClr val="tx1"/>
+                </a:solidFill>
+                <a:effectLst/>
+                <a:latin typeface="+mn-lt"/>
+                <a:ea typeface="+mn-ea"/>
+                <a:cs typeface="+mn-cs"/>
+              </a:rPr>
+              <a:t>,’ </a:t>
+            </a:r>
+            <a:r>
+              <a:rPr lang="fr-FR" sz="1200" kern="1200" dirty="0" err="1" smtClean="0">
+                <a:solidFill>
+                  <a:schemeClr val="tx1"/>
+                </a:solidFill>
+                <a:effectLst/>
+                <a:latin typeface="+mn-lt"/>
+                <a:ea typeface="+mn-ea"/>
+                <a:cs typeface="+mn-cs"/>
+              </a:rPr>
+              <a:t>CKtk</a:t>
+            </a:r>
+            <a:r>
+              <a:rPr lang="fr-FR" sz="1200" kern="1200" dirty="0" smtClean="0">
+                <a:solidFill>
+                  <a:schemeClr val="tx1"/>
+                </a:solidFill>
+                <a:effectLst/>
+                <a:latin typeface="+mn-lt"/>
+                <a:ea typeface="+mn-ea"/>
+                <a:cs typeface="+mn-cs"/>
+              </a:rPr>
+              <a:t>, for </a:t>
+            </a:r>
+            <a:r>
+              <a:rPr lang="fr-FR" sz="1200" kern="1200" dirty="0" err="1" smtClean="0">
+                <a:solidFill>
+                  <a:schemeClr val="tx1"/>
+                </a:solidFill>
+                <a:effectLst/>
+                <a:latin typeface="+mn-lt"/>
+                <a:ea typeface="+mn-ea"/>
+                <a:cs typeface="+mn-cs"/>
+              </a:rPr>
+              <a:t>each</a:t>
+            </a:r>
+            <a:r>
+              <a:rPr lang="fr-FR" sz="1200" kern="1200" dirty="0" smtClean="0">
+                <a:solidFill>
+                  <a:schemeClr val="tx1"/>
+                </a:solidFill>
+                <a:effectLst/>
+                <a:latin typeface="+mn-lt"/>
+                <a:ea typeface="+mn-ea"/>
+                <a:cs typeface="+mn-cs"/>
+              </a:rPr>
+              <a:t> action, </a:t>
+            </a:r>
+            <a:r>
+              <a:rPr lang="fr-FR" sz="1200" kern="1200" dirty="0" err="1" smtClean="0">
+                <a:solidFill>
+                  <a:schemeClr val="tx1"/>
+                </a:solidFill>
+                <a:effectLst/>
+                <a:latin typeface="+mn-lt"/>
+                <a:ea typeface="+mn-ea"/>
+                <a:cs typeface="+mn-cs"/>
+              </a:rPr>
+              <a:t>which</a:t>
+            </a:r>
+            <a:r>
+              <a:rPr lang="fr-FR" sz="1200" kern="1200" dirty="0" smtClean="0">
+                <a:solidFill>
+                  <a:schemeClr val="tx1"/>
+                </a:solidFill>
+                <a:effectLst/>
+                <a:latin typeface="+mn-lt"/>
+                <a:ea typeface="+mn-ea"/>
+                <a:cs typeface="+mn-cs"/>
+              </a:rPr>
+              <a:t> </a:t>
+            </a:r>
+            <a:r>
+              <a:rPr lang="fr-FR" sz="1200" kern="1200" dirty="0" err="1" smtClean="0">
+                <a:solidFill>
+                  <a:schemeClr val="tx1"/>
+                </a:solidFill>
+                <a:effectLst/>
+                <a:latin typeface="+mn-lt"/>
+                <a:ea typeface="+mn-ea"/>
+                <a:cs typeface="+mn-cs"/>
+              </a:rPr>
+              <a:t>keeps</a:t>
+            </a:r>
+            <a:r>
+              <a:rPr lang="fr-FR" sz="1200" kern="1200" dirty="0" smtClean="0">
+                <a:solidFill>
+                  <a:schemeClr val="tx1"/>
+                </a:solidFill>
+                <a:effectLst/>
+                <a:latin typeface="+mn-lt"/>
+                <a:ea typeface="+mn-ea"/>
+                <a:cs typeface="+mn-cs"/>
+              </a:rPr>
+              <a:t> </a:t>
+            </a:r>
+            <a:r>
+              <a:rPr lang="fr-FR" sz="1200" kern="1200" dirty="0" err="1" smtClean="0">
+                <a:solidFill>
+                  <a:schemeClr val="tx1"/>
+                </a:solidFill>
+                <a:effectLst/>
+                <a:latin typeface="+mn-lt"/>
+                <a:ea typeface="+mn-ea"/>
+                <a:cs typeface="+mn-cs"/>
+              </a:rPr>
+              <a:t>track</a:t>
+            </a:r>
+            <a:r>
+              <a:rPr lang="fr-FR" sz="1200" kern="1200" dirty="0" smtClean="0">
+                <a:solidFill>
+                  <a:schemeClr val="tx1"/>
+                </a:solidFill>
+                <a:effectLst/>
+                <a:latin typeface="+mn-lt"/>
+                <a:ea typeface="+mn-ea"/>
+                <a:cs typeface="+mn-cs"/>
+              </a:rPr>
+              <a:t> of how </a:t>
+            </a:r>
+            <a:r>
+              <a:rPr lang="fr-FR" sz="1200" kern="1200" dirty="0" err="1" smtClean="0">
+                <a:solidFill>
+                  <a:schemeClr val="tx1"/>
+                </a:solidFill>
+                <a:effectLst/>
+                <a:latin typeface="+mn-lt"/>
+                <a:ea typeface="+mn-ea"/>
+                <a:cs typeface="+mn-cs"/>
+              </a:rPr>
+              <a:t>frequently</a:t>
+            </a:r>
+            <a:r>
+              <a:rPr lang="fr-FR" sz="1200" kern="1200" dirty="0" smtClean="0">
+                <a:solidFill>
+                  <a:schemeClr val="tx1"/>
+                </a:solidFill>
+                <a:effectLst/>
+                <a:latin typeface="+mn-lt"/>
+                <a:ea typeface="+mn-ea"/>
+                <a:cs typeface="+mn-cs"/>
+              </a:rPr>
+              <a:t> </a:t>
+            </a:r>
+            <a:r>
+              <a:rPr lang="fr-FR" sz="1200" kern="1200" dirty="0" err="1" smtClean="0">
+                <a:solidFill>
+                  <a:schemeClr val="tx1"/>
+                </a:solidFill>
+                <a:effectLst/>
+                <a:latin typeface="+mn-lt"/>
+                <a:ea typeface="+mn-ea"/>
+                <a:cs typeface="+mn-cs"/>
+              </a:rPr>
+              <a:t>they</a:t>
+            </a:r>
+            <a:r>
+              <a:rPr lang="fr-FR" sz="1200" kern="1200" dirty="0" smtClean="0">
+                <a:solidFill>
+                  <a:schemeClr val="tx1"/>
+                </a:solidFill>
+                <a:effectLst/>
+                <a:latin typeface="+mn-lt"/>
+                <a:ea typeface="+mn-ea"/>
+                <a:cs typeface="+mn-cs"/>
+              </a:rPr>
+              <a:t> have </a:t>
+            </a:r>
+            <a:r>
+              <a:rPr lang="fr-FR" sz="1200" kern="1200" dirty="0" err="1" smtClean="0">
+                <a:solidFill>
+                  <a:schemeClr val="tx1"/>
+                </a:solidFill>
+                <a:effectLst/>
+                <a:latin typeface="+mn-lt"/>
+                <a:ea typeface="+mn-ea"/>
+                <a:cs typeface="+mn-cs"/>
+              </a:rPr>
+              <a:t>chosen</a:t>
+            </a:r>
+            <a:r>
+              <a:rPr lang="fr-FR" sz="1200" kern="1200" dirty="0" smtClean="0">
+                <a:solidFill>
+                  <a:schemeClr val="tx1"/>
+                </a:solidFill>
+                <a:effectLst/>
+                <a:latin typeface="+mn-lt"/>
+                <a:ea typeface="+mn-ea"/>
+                <a:cs typeface="+mn-cs"/>
+              </a:rPr>
+              <a:t> </a:t>
+            </a:r>
+            <a:r>
+              <a:rPr lang="fr-FR" sz="1200" kern="1200" dirty="0" err="1" smtClean="0">
+                <a:solidFill>
+                  <a:schemeClr val="tx1"/>
+                </a:solidFill>
+                <a:effectLst/>
+                <a:latin typeface="+mn-lt"/>
+                <a:ea typeface="+mn-ea"/>
+                <a:cs typeface="+mn-cs"/>
+              </a:rPr>
+              <a:t>that</a:t>
+            </a:r>
+            <a:r>
+              <a:rPr lang="fr-FR" sz="1200" kern="1200" dirty="0" smtClean="0">
+                <a:solidFill>
+                  <a:schemeClr val="tx1"/>
+                </a:solidFill>
+                <a:effectLst/>
+                <a:latin typeface="+mn-lt"/>
+                <a:ea typeface="+mn-ea"/>
+                <a:cs typeface="+mn-cs"/>
+              </a:rPr>
+              <a:t> option in the </a:t>
+            </a:r>
+            <a:r>
+              <a:rPr lang="fr-FR" sz="1200" kern="1200" dirty="0" err="1" smtClean="0">
+                <a:solidFill>
+                  <a:schemeClr val="tx1"/>
+                </a:solidFill>
+                <a:effectLst/>
+                <a:latin typeface="+mn-lt"/>
+                <a:ea typeface="+mn-ea"/>
+                <a:cs typeface="+mn-cs"/>
+              </a:rPr>
+              <a:t>recent</a:t>
+            </a:r>
+            <a:r>
+              <a:rPr lang="fr-FR" sz="1200" kern="1200" dirty="0" smtClean="0">
+                <a:solidFill>
+                  <a:schemeClr val="tx1"/>
+                </a:solidFill>
+                <a:effectLst/>
+                <a:latin typeface="+mn-lt"/>
+                <a:ea typeface="+mn-ea"/>
+                <a:cs typeface="+mn-cs"/>
+              </a:rPr>
+              <a:t> </a:t>
+            </a:r>
+            <a:r>
+              <a:rPr lang="fr-FR" sz="1200" kern="1200" dirty="0" err="1" smtClean="0">
+                <a:solidFill>
+                  <a:schemeClr val="tx1"/>
+                </a:solidFill>
+                <a:effectLst/>
+                <a:latin typeface="+mn-lt"/>
+                <a:ea typeface="+mn-ea"/>
+                <a:cs typeface="+mn-cs"/>
+              </a:rPr>
+              <a:t>past</a:t>
+            </a:r>
+            <a:r>
+              <a:rPr lang="fr-FR" sz="1200" kern="1200" dirty="0" smtClean="0">
+                <a:solidFill>
+                  <a:schemeClr val="tx1"/>
+                </a:solidFill>
+                <a:effectLst/>
+                <a:latin typeface="+mn-lt"/>
+                <a:ea typeface="+mn-ea"/>
+                <a:cs typeface="+mn-cs"/>
+              </a:rPr>
+              <a:t>. </a:t>
+            </a:r>
+          </a:p>
+          <a:p>
+            <a:pPr marL="0" marR="0" indent="0" algn="l" defTabSz="457200" rtl="0" eaLnBrk="1" fontAlgn="auto" latinLnBrk="0" hangingPunct="1">
+              <a:lnSpc>
+                <a:spcPct val="100000"/>
+              </a:lnSpc>
+              <a:spcBef>
+                <a:spcPts val="0"/>
+              </a:spcBef>
+              <a:spcAft>
+                <a:spcPts val="0"/>
+              </a:spcAft>
+              <a:buClrTx/>
+              <a:buSzTx/>
+              <a:buFontTx/>
+              <a:buNone/>
+              <a:tabLst/>
+              <a:defRPr/>
+            </a:pPr>
+            <a:r>
+              <a:rPr lang="fr-FR" sz="1200" kern="1200" dirty="0" smtClean="0">
+                <a:solidFill>
+                  <a:schemeClr val="tx1"/>
+                </a:solidFill>
+                <a:effectLst/>
+                <a:latin typeface="+mn-lt"/>
+                <a:ea typeface="+mn-ea"/>
+                <a:cs typeface="+mn-cs"/>
+              </a:rPr>
+              <a:t>This </a:t>
+            </a:r>
+            <a:r>
+              <a:rPr lang="fr-FR" sz="1200" kern="1200" dirty="0" err="1" smtClean="0">
+                <a:solidFill>
+                  <a:schemeClr val="tx1"/>
+                </a:solidFill>
+                <a:effectLst/>
+                <a:latin typeface="+mn-lt"/>
+                <a:ea typeface="+mn-ea"/>
+                <a:cs typeface="+mn-cs"/>
+              </a:rPr>
+              <a:t>choice</a:t>
+            </a:r>
+            <a:r>
+              <a:rPr lang="fr-FR" sz="1200" kern="1200" dirty="0" smtClean="0">
+                <a:solidFill>
+                  <a:schemeClr val="tx1"/>
+                </a:solidFill>
+                <a:effectLst/>
+                <a:latin typeface="+mn-lt"/>
+                <a:ea typeface="+mn-ea"/>
+                <a:cs typeface="+mn-cs"/>
+              </a:rPr>
+              <a:t> </a:t>
+            </a:r>
+            <a:r>
+              <a:rPr lang="fr-FR" sz="1200" kern="1200" dirty="0" err="1" smtClean="0">
+                <a:solidFill>
+                  <a:schemeClr val="tx1"/>
+                </a:solidFill>
+                <a:effectLst/>
+                <a:latin typeface="+mn-lt"/>
+                <a:ea typeface="+mn-ea"/>
+                <a:cs typeface="+mn-cs"/>
+              </a:rPr>
+              <a:t>kernel</a:t>
+            </a:r>
+            <a:r>
+              <a:rPr lang="fr-FR" sz="1200" kern="1200" dirty="0" smtClean="0">
+                <a:solidFill>
+                  <a:schemeClr val="tx1"/>
+                </a:solidFill>
+                <a:effectLst/>
+                <a:latin typeface="+mn-lt"/>
+                <a:ea typeface="+mn-ea"/>
+                <a:cs typeface="+mn-cs"/>
+              </a:rPr>
+              <a:t> updates in </a:t>
+            </a:r>
+            <a:r>
+              <a:rPr lang="fr-FR" sz="1200" kern="1200" dirty="0" err="1" smtClean="0">
+                <a:solidFill>
+                  <a:schemeClr val="tx1"/>
+                </a:solidFill>
+                <a:effectLst/>
+                <a:latin typeface="+mn-lt"/>
+                <a:ea typeface="+mn-ea"/>
+                <a:cs typeface="+mn-cs"/>
+              </a:rPr>
+              <a:t>much</a:t>
+            </a:r>
+            <a:r>
+              <a:rPr lang="fr-FR" sz="1200" kern="1200" dirty="0" smtClean="0">
+                <a:solidFill>
+                  <a:schemeClr val="tx1"/>
+                </a:solidFill>
+                <a:effectLst/>
+                <a:latin typeface="+mn-lt"/>
+                <a:ea typeface="+mn-ea"/>
+                <a:cs typeface="+mn-cs"/>
+              </a:rPr>
+              <a:t> the </a:t>
+            </a:r>
+            <a:r>
+              <a:rPr lang="fr-FR" sz="1200" kern="1200" dirty="0" err="1" smtClean="0">
+                <a:solidFill>
+                  <a:schemeClr val="tx1"/>
+                </a:solidFill>
+                <a:effectLst/>
+                <a:latin typeface="+mn-lt"/>
+                <a:ea typeface="+mn-ea"/>
+                <a:cs typeface="+mn-cs"/>
+              </a:rPr>
+              <a:t>same</a:t>
+            </a:r>
+            <a:r>
+              <a:rPr lang="fr-FR" sz="1200" kern="1200" dirty="0" smtClean="0">
+                <a:solidFill>
+                  <a:schemeClr val="tx1"/>
+                </a:solidFill>
+                <a:effectLst/>
+                <a:latin typeface="+mn-lt"/>
+                <a:ea typeface="+mn-ea"/>
+                <a:cs typeface="+mn-cs"/>
+              </a:rPr>
+              <a:t> </a:t>
+            </a:r>
+            <a:r>
+              <a:rPr lang="fr-FR" sz="1200" kern="1200" dirty="0" err="1" smtClean="0">
+                <a:solidFill>
+                  <a:schemeClr val="tx1"/>
+                </a:solidFill>
+                <a:effectLst/>
+                <a:latin typeface="+mn-lt"/>
+                <a:ea typeface="+mn-ea"/>
+                <a:cs typeface="+mn-cs"/>
+              </a:rPr>
+              <a:t>way</a:t>
+            </a:r>
+            <a:r>
+              <a:rPr lang="fr-FR" sz="1200" kern="1200" dirty="0" smtClean="0">
+                <a:solidFill>
+                  <a:schemeClr val="tx1"/>
+                </a:solidFill>
+                <a:effectLst/>
+                <a:latin typeface="+mn-lt"/>
+                <a:ea typeface="+mn-ea"/>
+                <a:cs typeface="+mn-cs"/>
+              </a:rPr>
+              <a:t> as the values in the </a:t>
+            </a:r>
+            <a:r>
+              <a:rPr lang="fr-FR" sz="1200" kern="1200" dirty="0" err="1" smtClean="0">
+                <a:solidFill>
+                  <a:schemeClr val="tx1"/>
+                </a:solidFill>
+                <a:effectLst/>
+                <a:latin typeface="+mn-lt"/>
+                <a:ea typeface="+mn-ea"/>
+                <a:cs typeface="+mn-cs"/>
+              </a:rPr>
+              <a:t>Rescorla</a:t>
+            </a:r>
+            <a:r>
+              <a:rPr lang="fr-FR" sz="1200" kern="1200" dirty="0" smtClean="0">
+                <a:solidFill>
+                  <a:schemeClr val="tx1"/>
+                </a:solidFill>
+                <a:effectLst/>
+                <a:latin typeface="+mn-lt"/>
+                <a:ea typeface="+mn-ea"/>
+                <a:cs typeface="+mn-cs"/>
+              </a:rPr>
+              <a:t>-Wagner </a:t>
+            </a:r>
+            <a:r>
+              <a:rPr lang="fr-FR" sz="1200" kern="1200" dirty="0" err="1" smtClean="0">
+                <a:solidFill>
+                  <a:schemeClr val="tx1"/>
+                </a:solidFill>
+                <a:effectLst/>
+                <a:latin typeface="+mn-lt"/>
+                <a:ea typeface="+mn-ea"/>
+                <a:cs typeface="+mn-cs"/>
+              </a:rPr>
+              <a:t>rule</a:t>
+            </a:r>
+            <a:r>
+              <a:rPr lang="fr-FR" sz="1200" kern="1200" baseline="0" dirty="0" smtClean="0">
+                <a:solidFill>
+                  <a:schemeClr val="tx1"/>
+                </a:solidFill>
+                <a:effectLst/>
+                <a:latin typeface="+mn-lt"/>
+                <a:ea typeface="+mn-ea"/>
+                <a:cs typeface="+mn-cs"/>
+              </a:rPr>
+              <a:t> (ACTIONS </a:t>
+            </a:r>
+            <a:r>
+              <a:rPr lang="fr-FR" sz="1200" kern="1200" baseline="0" dirty="0" err="1" smtClean="0">
+                <a:solidFill>
+                  <a:schemeClr val="tx1"/>
+                </a:solidFill>
+                <a:effectLst/>
+                <a:latin typeface="+mn-lt"/>
+                <a:ea typeface="+mn-ea"/>
+                <a:cs typeface="+mn-cs"/>
+              </a:rPr>
+              <a:t>instead</a:t>
+            </a:r>
+            <a:r>
+              <a:rPr lang="fr-FR" sz="1200" kern="1200" baseline="0" dirty="0" smtClean="0">
+                <a:solidFill>
+                  <a:schemeClr val="tx1"/>
+                </a:solidFill>
+                <a:effectLst/>
+                <a:latin typeface="+mn-lt"/>
+                <a:ea typeface="+mn-ea"/>
+                <a:cs typeface="+mn-cs"/>
+              </a:rPr>
+              <a:t> of REWARDS).</a:t>
+            </a:r>
+          </a:p>
+          <a:p>
+            <a:pPr marL="0" marR="0" indent="0" algn="l" defTabSz="457200" rtl="0" eaLnBrk="1" fontAlgn="auto" latinLnBrk="0" hangingPunct="1">
+              <a:lnSpc>
+                <a:spcPct val="100000"/>
+              </a:lnSpc>
+              <a:spcBef>
+                <a:spcPts val="0"/>
+              </a:spcBef>
+              <a:spcAft>
+                <a:spcPts val="0"/>
+              </a:spcAft>
+              <a:buClrTx/>
+              <a:buSzTx/>
+              <a:buFontTx/>
+              <a:buNone/>
+              <a:tabLst/>
+              <a:defRPr/>
+            </a:pPr>
+            <a:r>
+              <a:rPr lang="fr-FR" sz="1200" kern="1200" dirty="0" err="1" smtClean="0">
+                <a:solidFill>
+                  <a:schemeClr val="tx1"/>
+                </a:solidFill>
+                <a:effectLst/>
+                <a:latin typeface="+mn-lt"/>
+                <a:ea typeface="+mn-ea"/>
+                <a:cs typeface="+mn-cs"/>
+              </a:rPr>
+              <a:t>where</a:t>
+            </a:r>
+            <a:r>
+              <a:rPr lang="fr-FR" sz="1200" kern="1200" dirty="0" smtClean="0">
+                <a:solidFill>
+                  <a:schemeClr val="tx1"/>
+                </a:solidFill>
+                <a:effectLst/>
+                <a:latin typeface="+mn-lt"/>
+                <a:ea typeface="+mn-ea"/>
+                <a:cs typeface="+mn-cs"/>
+              </a:rPr>
+              <a:t> </a:t>
+            </a:r>
+            <a:r>
+              <a:rPr lang="fr-FR" sz="1200" kern="1200" dirty="0" err="1" smtClean="0">
+                <a:solidFill>
+                  <a:schemeClr val="tx1"/>
+                </a:solidFill>
+                <a:effectLst/>
+                <a:latin typeface="+mn-lt"/>
+                <a:ea typeface="+mn-ea"/>
+                <a:cs typeface="+mn-cs"/>
+              </a:rPr>
+              <a:t>akt</a:t>
+            </a:r>
+            <a:r>
+              <a:rPr lang="fr-FR" sz="1200" kern="1200" dirty="0" smtClean="0">
+                <a:solidFill>
+                  <a:schemeClr val="tx1"/>
+                </a:solidFill>
+                <a:effectLst/>
+                <a:latin typeface="+mn-lt"/>
+                <a:ea typeface="+mn-ea"/>
+                <a:cs typeface="+mn-cs"/>
+              </a:rPr>
+              <a:t> = 1 if option k </a:t>
+            </a:r>
+            <a:r>
+              <a:rPr lang="fr-FR" sz="1200" kern="1200" dirty="0" err="1" smtClean="0">
+                <a:solidFill>
+                  <a:schemeClr val="tx1"/>
+                </a:solidFill>
+                <a:effectLst/>
+                <a:latin typeface="+mn-lt"/>
+                <a:ea typeface="+mn-ea"/>
+                <a:cs typeface="+mn-cs"/>
+              </a:rPr>
+              <a:t>is</a:t>
+            </a:r>
+            <a:r>
+              <a:rPr lang="fr-FR" sz="1200" kern="1200" dirty="0" smtClean="0">
+                <a:solidFill>
+                  <a:schemeClr val="tx1"/>
+                </a:solidFill>
+                <a:effectLst/>
+                <a:latin typeface="+mn-lt"/>
+                <a:ea typeface="+mn-ea"/>
+                <a:cs typeface="+mn-cs"/>
+              </a:rPr>
+              <a:t> </a:t>
+            </a:r>
+            <a:r>
+              <a:rPr lang="fr-FR" sz="1200" kern="1200" dirty="0" err="1" smtClean="0">
+                <a:solidFill>
+                  <a:schemeClr val="tx1"/>
+                </a:solidFill>
+                <a:effectLst/>
+                <a:latin typeface="+mn-lt"/>
+                <a:ea typeface="+mn-ea"/>
+                <a:cs typeface="+mn-cs"/>
+              </a:rPr>
+              <a:t>played</a:t>
+            </a:r>
+            <a:r>
+              <a:rPr lang="fr-FR" sz="1200" kern="1200" dirty="0" smtClean="0">
+                <a:solidFill>
+                  <a:schemeClr val="tx1"/>
+                </a:solidFill>
+                <a:effectLst/>
+                <a:latin typeface="+mn-lt"/>
+                <a:ea typeface="+mn-ea"/>
+                <a:cs typeface="+mn-cs"/>
+              </a:rPr>
+              <a:t> on trial </a:t>
+            </a:r>
+            <a:r>
+              <a:rPr lang="fr-FR" sz="1200" kern="1200" dirty="0" err="1" smtClean="0">
+                <a:solidFill>
+                  <a:schemeClr val="tx1"/>
+                </a:solidFill>
+                <a:effectLst/>
+                <a:latin typeface="+mn-lt"/>
+                <a:ea typeface="+mn-ea"/>
+                <a:cs typeface="+mn-cs"/>
+              </a:rPr>
+              <a:t>t</a:t>
+            </a:r>
+            <a:r>
+              <a:rPr lang="fr-FR" sz="1200" kern="1200" dirty="0" smtClean="0">
+                <a:solidFill>
+                  <a:schemeClr val="tx1"/>
+                </a:solidFill>
+                <a:effectLst/>
+                <a:latin typeface="+mn-lt"/>
+                <a:ea typeface="+mn-ea"/>
+                <a:cs typeface="+mn-cs"/>
+              </a:rPr>
+              <a:t>, </a:t>
+            </a:r>
+            <a:r>
+              <a:rPr lang="fr-FR" sz="1200" kern="1200" dirty="0" err="1" smtClean="0">
+                <a:solidFill>
+                  <a:schemeClr val="tx1"/>
+                </a:solidFill>
+                <a:effectLst/>
+                <a:latin typeface="+mn-lt"/>
+                <a:ea typeface="+mn-ea"/>
+                <a:cs typeface="+mn-cs"/>
+              </a:rPr>
+              <a:t>otherwise</a:t>
+            </a:r>
+            <a:r>
+              <a:rPr lang="fr-FR" sz="1200" kern="1200" dirty="0" smtClean="0">
+                <a:solidFill>
+                  <a:schemeClr val="tx1"/>
+                </a:solidFill>
+                <a:effectLst/>
+                <a:latin typeface="+mn-lt"/>
+                <a:ea typeface="+mn-ea"/>
+                <a:cs typeface="+mn-cs"/>
+              </a:rPr>
+              <a:t> </a:t>
+            </a:r>
+            <a:r>
+              <a:rPr lang="fr-FR" sz="1200" kern="1200" dirty="0" err="1" smtClean="0">
+                <a:solidFill>
+                  <a:schemeClr val="tx1"/>
+                </a:solidFill>
+                <a:effectLst/>
+                <a:latin typeface="+mn-lt"/>
+                <a:ea typeface="+mn-ea"/>
+                <a:cs typeface="+mn-cs"/>
+              </a:rPr>
+              <a:t>akt</a:t>
+            </a:r>
+            <a:r>
+              <a:rPr lang="fr-FR" sz="1200" kern="1200" dirty="0" smtClean="0">
+                <a:solidFill>
+                  <a:schemeClr val="tx1"/>
+                </a:solidFill>
+                <a:effectLst/>
+                <a:latin typeface="+mn-lt"/>
+                <a:ea typeface="+mn-ea"/>
+                <a:cs typeface="+mn-cs"/>
+              </a:rPr>
+              <a:t> = 0, and αc </a:t>
+            </a:r>
+            <a:r>
+              <a:rPr lang="fr-FR" sz="1200" kern="1200" dirty="0" err="1" smtClean="0">
+                <a:solidFill>
+                  <a:schemeClr val="tx1"/>
+                </a:solidFill>
+                <a:effectLst/>
+                <a:latin typeface="+mn-lt"/>
+                <a:ea typeface="+mn-ea"/>
+                <a:cs typeface="+mn-cs"/>
+              </a:rPr>
+              <a:t>is</a:t>
+            </a:r>
+            <a:r>
+              <a:rPr lang="fr-FR" sz="1200" kern="1200" dirty="0" smtClean="0">
+                <a:solidFill>
+                  <a:schemeClr val="tx1"/>
+                </a:solidFill>
+                <a:effectLst/>
+                <a:latin typeface="+mn-lt"/>
+                <a:ea typeface="+mn-ea"/>
+                <a:cs typeface="+mn-cs"/>
+              </a:rPr>
+              <a:t> the </a:t>
+            </a:r>
+            <a:r>
+              <a:rPr lang="fr-FR" sz="1200" kern="1200" dirty="0" err="1" smtClean="0">
+                <a:solidFill>
+                  <a:schemeClr val="tx1"/>
+                </a:solidFill>
+                <a:effectLst/>
+                <a:latin typeface="+mn-lt"/>
+                <a:ea typeface="+mn-ea"/>
+                <a:cs typeface="+mn-cs"/>
+              </a:rPr>
+              <a:t>choice</a:t>
+            </a:r>
+            <a:r>
+              <a:rPr lang="fr-FR" sz="1200" kern="1200" dirty="0" smtClean="0">
+                <a:solidFill>
+                  <a:schemeClr val="tx1"/>
+                </a:solidFill>
+                <a:effectLst/>
+                <a:latin typeface="+mn-lt"/>
+                <a:ea typeface="+mn-ea"/>
+                <a:cs typeface="+mn-cs"/>
+              </a:rPr>
+              <a:t>- </a:t>
+            </a:r>
+            <a:r>
+              <a:rPr lang="fr-FR" sz="1200" kern="1200" dirty="0" err="1" smtClean="0">
+                <a:solidFill>
+                  <a:schemeClr val="tx1"/>
+                </a:solidFill>
+                <a:effectLst/>
+                <a:latin typeface="+mn-lt"/>
+                <a:ea typeface="+mn-ea"/>
+                <a:cs typeface="+mn-cs"/>
+              </a:rPr>
+              <a:t>kernel</a:t>
+            </a:r>
+            <a:r>
+              <a:rPr lang="fr-FR" sz="1200" kern="1200" dirty="0" smtClean="0">
+                <a:solidFill>
+                  <a:schemeClr val="tx1"/>
+                </a:solidFill>
+                <a:effectLst/>
+                <a:latin typeface="+mn-lt"/>
+                <a:ea typeface="+mn-ea"/>
+                <a:cs typeface="+mn-cs"/>
+              </a:rPr>
+              <a:t> </a:t>
+            </a:r>
+            <a:r>
+              <a:rPr lang="fr-FR" sz="1200" kern="1200" dirty="0" err="1" smtClean="0">
+                <a:solidFill>
+                  <a:schemeClr val="tx1"/>
+                </a:solidFill>
+                <a:effectLst/>
+                <a:latin typeface="+mn-lt"/>
+                <a:ea typeface="+mn-ea"/>
+                <a:cs typeface="+mn-cs"/>
+              </a:rPr>
+              <a:t>learning</a:t>
+            </a:r>
+            <a:r>
+              <a:rPr lang="fr-FR" sz="1200" kern="1200" smtClean="0">
+                <a:solidFill>
+                  <a:schemeClr val="tx1"/>
+                </a:solidFill>
+                <a:effectLst/>
+                <a:latin typeface="+mn-lt"/>
+                <a:ea typeface="+mn-ea"/>
+                <a:cs typeface="+mn-cs"/>
+              </a:rPr>
+              <a:t> rate. </a:t>
+            </a:r>
+            <a:endParaRPr lang="fr-FR" smtClean="0">
+              <a:effectLst/>
+            </a:endParaRPr>
+          </a:p>
+          <a:p>
+            <a:pPr marL="0" marR="0" indent="0" algn="l" defTabSz="457200" rtl="0" eaLnBrk="1" fontAlgn="auto" latinLnBrk="0" hangingPunct="1">
+              <a:lnSpc>
+                <a:spcPct val="100000"/>
+              </a:lnSpc>
+              <a:spcBef>
+                <a:spcPts val="0"/>
+              </a:spcBef>
+              <a:spcAft>
+                <a:spcPts val="0"/>
+              </a:spcAft>
+              <a:buClrTx/>
+              <a:buSzTx/>
+              <a:buFontTx/>
+              <a:buNone/>
+              <a:tabLst/>
+              <a:defRPr/>
+            </a:pPr>
+            <a:endParaRPr lang="fr-FR" dirty="0" smtClean="0">
+              <a:effectLst/>
+            </a:endParaRPr>
+          </a:p>
+        </p:txBody>
+      </p:sp>
+      <p:sp>
+        <p:nvSpPr>
+          <p:cNvPr id="4" name="Espace réservé du numéro de diapositive 3"/>
+          <p:cNvSpPr>
+            <a:spLocks noGrp="1"/>
+          </p:cNvSpPr>
+          <p:nvPr>
+            <p:ph type="sldNum" sz="quarter" idx="10"/>
+          </p:nvPr>
+        </p:nvSpPr>
+        <p:spPr/>
+        <p:txBody>
+          <a:bodyPr/>
+          <a:lstStyle/>
+          <a:p>
+            <a:fld id="{A9F4EA57-79A2-F74E-A9E7-4A7D844F285A}" type="slidenum">
+              <a:rPr lang="en-GB" smtClean="0"/>
+              <a:t>5</a:t>
+            </a:fld>
+            <a:endParaRPr lang="en-GB"/>
+          </a:p>
+        </p:txBody>
+      </p:sp>
+    </p:spTree>
+    <p:extLst>
+      <p:ext uri="{BB962C8B-B14F-4D97-AF65-F5344CB8AC3E}">
+        <p14:creationId xmlns:p14="http://schemas.microsoft.com/office/powerpoint/2010/main" val="3379076948"/>
+      </p:ext>
+    </p:extLst>
+  </p:cSld>
+  <p:clrMapOvr>
+    <a:masterClrMapping/>
+  </p:clrMapOvr>
+</p:notes>
+</file>
+
+<file path=ppt/notesSlides/notesSlide2.xml><?xml version="1.0" encoding="utf-8"?>
+<p:notes xmlns:a="http://schemas.openxmlformats.org/drawingml/2006/main" xmlns:r="http://schemas.openxmlformats.org/officeDocument/2006/relationships" xmlns:p="http://schemas.openxmlformats.org/presentationml/2006/main">
+  <p:cSld>
+    <p:spTree>
+      <p:nvGrpSpPr>
+        <p:cNvPr id="1" name=""/>
+        <p:cNvGrpSpPr/>
+        <p:nvPr/>
+      </p:nvGrpSpPr>
+      <p:grpSpPr>
+        <a:xfrm>
+          <a:off x="0" y="0"/>
+          <a:ext cx="0" cy="0"/>
+          <a:chOff x="0" y="0"/>
+          <a:chExt cx="0" cy="0"/>
+        </a:xfrm>
+      </p:grpSpPr>
+      <p:sp>
+        <p:nvSpPr>
+          <p:cNvPr id="2" name="Espace réservé de l'image des diapositives 1"/>
+          <p:cNvSpPr>
+            <a:spLocks noGrp="1" noRot="1" noChangeAspect="1"/>
+          </p:cNvSpPr>
+          <p:nvPr>
+            <p:ph type="sldImg"/>
+          </p:nvPr>
+        </p:nvSpPr>
+        <p:spPr/>
+      </p:sp>
+      <p:sp>
+        <p:nvSpPr>
+          <p:cNvPr id="3" name="Espace réservé des commentaires 2"/>
+          <p:cNvSpPr>
+            <a:spLocks noGrp="1"/>
+          </p:cNvSpPr>
+          <p:nvPr>
+            <p:ph type="body" idx="1"/>
+          </p:nvPr>
+        </p:nvSpPr>
+        <p:spPr/>
+        <p:txBody>
+          <a:bodyPr/>
+          <a:lstStyle/>
+          <a:p>
             <a:endParaRPr lang="en-GB" dirty="0"/>
           </a:p>
         </p:txBody>
@@ -689,7 +1915,7 @@
           <a:p>
             <a:fld id="{EF1F084C-BCB9-4549-84DF-B027ED2B5BCD}" type="datetimeFigureOut">
               <a:rPr lang="en-GB" smtClean="0"/>
-              <a:t>04/07/23</a:t>
+              <a:t>13/07/23</a:t>
             </a:fld>
             <a:endParaRPr lang="en-GB"/>
           </a:p>
@@ -859,7 +2085,7 @@
           <a:p>
             <a:fld id="{EF1F084C-BCB9-4549-84DF-B027ED2B5BCD}" type="datetimeFigureOut">
               <a:rPr lang="en-GB" smtClean="0"/>
-              <a:t>04/07/23</a:t>
+              <a:t>13/07/23</a:t>
             </a:fld>
             <a:endParaRPr lang="en-GB"/>
           </a:p>
@@ -1039,7 +2265,7 @@
           <a:p>
             <a:fld id="{EF1F084C-BCB9-4549-84DF-B027ED2B5BCD}" type="datetimeFigureOut">
               <a:rPr lang="en-GB" smtClean="0"/>
-              <a:t>04/07/23</a:t>
+              <a:t>13/07/23</a:t>
             </a:fld>
             <a:endParaRPr lang="en-GB"/>
           </a:p>
@@ -1209,7 +2435,7 @@
           <a:p>
             <a:fld id="{EF1F084C-BCB9-4549-84DF-B027ED2B5BCD}" type="datetimeFigureOut">
               <a:rPr lang="en-GB" smtClean="0"/>
-              <a:t>04/07/23</a:t>
+              <a:t>13/07/23</a:t>
             </a:fld>
             <a:endParaRPr lang="en-GB"/>
           </a:p>
@@ -1455,7 +2681,7 @@
           <a:p>
             <a:fld id="{EF1F084C-BCB9-4549-84DF-B027ED2B5BCD}" type="datetimeFigureOut">
               <a:rPr lang="en-GB" smtClean="0"/>
-              <a:t>04/07/23</a:t>
+              <a:t>13/07/23</a:t>
             </a:fld>
             <a:endParaRPr lang="en-GB"/>
           </a:p>
@@ -1687,7 +2913,7 @@
           <a:p>
             <a:fld id="{EF1F084C-BCB9-4549-84DF-B027ED2B5BCD}" type="datetimeFigureOut">
               <a:rPr lang="en-GB" smtClean="0"/>
-              <a:t>04/07/23</a:t>
+              <a:t>13/07/23</a:t>
             </a:fld>
             <a:endParaRPr lang="en-GB"/>
           </a:p>
@@ -2054,7 +3280,7 @@
           <a:p>
             <a:fld id="{EF1F084C-BCB9-4549-84DF-B027ED2B5BCD}" type="datetimeFigureOut">
               <a:rPr lang="en-GB" smtClean="0"/>
-              <a:t>04/07/23</a:t>
+              <a:t>13/07/23</a:t>
             </a:fld>
             <a:endParaRPr lang="en-GB"/>
           </a:p>
@@ -2172,7 +3398,7 @@
           <a:p>
             <a:fld id="{EF1F084C-BCB9-4549-84DF-B027ED2B5BCD}" type="datetimeFigureOut">
               <a:rPr lang="en-GB" smtClean="0"/>
-              <a:t>04/07/23</a:t>
+              <a:t>13/07/23</a:t>
             </a:fld>
             <a:endParaRPr lang="en-GB"/>
           </a:p>
@@ -2267,7 +3493,7 @@
           <a:p>
             <a:fld id="{EF1F084C-BCB9-4549-84DF-B027ED2B5BCD}" type="datetimeFigureOut">
               <a:rPr lang="en-GB" smtClean="0"/>
-              <a:t>04/07/23</a:t>
+              <a:t>13/07/23</a:t>
             </a:fld>
             <a:endParaRPr lang="en-GB"/>
           </a:p>
@@ -2544,7 +3770,7 @@
           <a:p>
             <a:fld id="{EF1F084C-BCB9-4549-84DF-B027ED2B5BCD}" type="datetimeFigureOut">
               <a:rPr lang="en-GB" smtClean="0"/>
-              <a:t>04/07/23</a:t>
+              <a:t>13/07/23</a:t>
             </a:fld>
             <a:endParaRPr lang="en-GB"/>
           </a:p>
@@ -2797,7 +4023,7 @@
           <a:p>
             <a:fld id="{EF1F084C-BCB9-4549-84DF-B027ED2B5BCD}" type="datetimeFigureOut">
               <a:rPr lang="en-GB" smtClean="0"/>
-              <a:t>04/07/23</a:t>
+              <a:t>13/07/23</a:t>
             </a:fld>
             <a:endParaRPr lang="en-GB"/>
           </a:p>
@@ -3010,7 +4236,7 @@
           <a:p>
             <a:fld id="{EF1F084C-BCB9-4549-84DF-B027ED2B5BCD}" type="datetimeFigureOut">
               <a:rPr lang="en-GB" smtClean="0"/>
-              <a:t>04/07/23</a:t>
+              <a:t>13/07/23</a:t>
             </a:fld>
             <a:endParaRPr lang="en-GB"/>
           </a:p>
@@ -3428,10 +4654,10 @@
           <p:cNvPr id="9" name="Rectangle 8">
             <a:extLst>
               <a:ext uri="{FF2B5EF4-FFF2-40B4-BE49-F238E27FC236}">
-                <a16:creationId xmlns:a16="http://schemas.microsoft.com/office/drawing/2014/main" xmlns="" id="{C0B27210-D0CA-4654-B3E3-9ABB4F178EA1}"/>
+                <a16:creationId xmlns="" xmlns:a16="http://schemas.microsoft.com/office/drawing/2014/main" id="{C0B27210-D0CA-4654-B3E3-9ABB4F178EA1}"/>
               </a:ext>
               <a:ext uri="{C183D7F6-B498-43B3-948B-1728B52AA6E4}">
-                <adec:decorative xmlns="" xmlns:adec="http://schemas.microsoft.com/office/drawing/2017/decorative" val="1"/>
+                <adec:decorative xmlns:adec="http://schemas.microsoft.com/office/drawing/2017/decorative" xmlns="" val="1"/>
               </a:ext>
             </a:extLst>
           </p:cNvPr>
@@ -3441,7 +4667,7 @@
           <p:nvPr>
             <p:extLst>
               <p:ext uri="{386F3935-93C4-4BCD-93E2-E3B085C9AB24}">
-                <p16:designElem xmlns:p16="http://schemas.microsoft.com/office/powerpoint/2015/main" xmlns="" val="1"/>
+                <p16:designElem xmlns="" xmlns:p16="http://schemas.microsoft.com/office/powerpoint/2015/main" val="1"/>
               </p:ext>
             </p:extLst>
           </p:nvPr>
@@ -3682,10 +4908,10 @@
           <p:cNvPr id="11" name="Freeform: Shape 10">
             <a:extLst>
               <a:ext uri="{FF2B5EF4-FFF2-40B4-BE49-F238E27FC236}">
-                <a16:creationId xmlns:a16="http://schemas.microsoft.com/office/drawing/2014/main" xmlns="" id="{1DB7C82F-AB7E-4F0C-B829-FA1B9C415180}"/>
+                <a16:creationId xmlns="" xmlns:a16="http://schemas.microsoft.com/office/drawing/2014/main" id="{1DB7C82F-AB7E-4F0C-B829-FA1B9C415180}"/>
               </a:ext>
               <a:ext uri="{C183D7F6-B498-43B3-948B-1728B52AA6E4}">
-                <adec:decorative xmlns="" xmlns:adec="http://schemas.microsoft.com/office/drawing/2017/decorative" val="1"/>
+                <adec:decorative xmlns:adec="http://schemas.microsoft.com/office/drawing/2017/decorative" xmlns="" val="1"/>
               </a:ext>
             </a:extLst>
           </p:cNvPr>
@@ -3695,7 +4921,7 @@
           <p:nvPr>
             <p:extLst>
               <p:ext uri="{386F3935-93C4-4BCD-93E2-E3B085C9AB24}">
-                <p16:designElem xmlns:p16="http://schemas.microsoft.com/office/powerpoint/2015/main" xmlns="" val="1"/>
+                <p16:designElem xmlns="" xmlns:p16="http://schemas.microsoft.com/office/powerpoint/2015/main" val="1"/>
               </p:ext>
             </p:extLst>
           </p:nvPr>
@@ -3849,10 +5075,10 @@
           <p:cNvPr id="13" name="Freeform: Shape 12">
             <a:extLst>
               <a:ext uri="{FF2B5EF4-FFF2-40B4-BE49-F238E27FC236}">
-                <a16:creationId xmlns:a16="http://schemas.microsoft.com/office/drawing/2014/main" xmlns="" id="{70B66945-4967-4040-926D-DCA44313CDAB}"/>
+                <a16:creationId xmlns="" xmlns:a16="http://schemas.microsoft.com/office/drawing/2014/main" id="{70B66945-4967-4040-926D-DCA44313CDAB}"/>
               </a:ext>
               <a:ext uri="{C183D7F6-B498-43B3-948B-1728B52AA6E4}">
-                <adec:decorative xmlns="" xmlns:adec="http://schemas.microsoft.com/office/drawing/2017/decorative" val="1"/>
+                <adec:decorative xmlns:adec="http://schemas.microsoft.com/office/drawing/2017/decorative" xmlns="" val="1"/>
               </a:ext>
             </a:extLst>
           </p:cNvPr>
@@ -3862,7 +5088,7 @@
           <p:nvPr>
             <p:extLst>
               <p:ext uri="{386F3935-93C4-4BCD-93E2-E3B085C9AB24}">
-                <p16:designElem xmlns:p16="http://schemas.microsoft.com/office/powerpoint/2015/main" xmlns="" val="1"/>
+                <p16:designElem xmlns="" xmlns:p16="http://schemas.microsoft.com/office/powerpoint/2015/main" val="1"/>
               </p:ext>
             </p:extLst>
           </p:nvPr>
@@ -4169,17 +5395,7 @@
                 <a:latin typeface="Calibri"/>
                 <a:cs typeface="Calibri"/>
               </a:rPr>
-              <a:t> </a:t>
-            </a:r>
-            <a:r>
-              <a:rPr lang="fr-FR" sz="2400" dirty="0" smtClean="0">
-                <a:solidFill>
-                  <a:srgbClr val="008000"/>
-                </a:solidFill>
-                <a:latin typeface="Calibri"/>
-                <a:cs typeface="Calibri"/>
-              </a:rPr>
-              <a:t>model corresponds to the </a:t>
+              <a:t> model corresponds to the </a:t>
             </a:r>
             <a:r>
               <a:rPr lang="fr-FR" sz="2400" dirty="0" err="1" smtClean="0">
@@ -4390,7 +5606,7 @@
           <p:cNvPr id="7" name="Imatge 3">
             <a:extLst>
               <a:ext uri="{FF2B5EF4-FFF2-40B4-BE49-F238E27FC236}">
-                <a16:creationId xmlns:a16="http://schemas.microsoft.com/office/drawing/2014/main" xmlns="" id="{57E3DE7A-6CAB-427B-93B0-D2FFB4DD3784}"/>
+                <a16:creationId xmlns="" xmlns:a16="http://schemas.microsoft.com/office/drawing/2014/main" id="{57E3DE7A-6CAB-427B-93B0-D2FFB4DD3784}"/>
               </a:ext>
             </a:extLst>
           </p:cNvPr>
@@ -4670,7 +5886,7 @@
           <p:cNvPr id="6" name="Imatge 3">
             <a:extLst>
               <a:ext uri="{FF2B5EF4-FFF2-40B4-BE49-F238E27FC236}">
-                <a16:creationId xmlns:a16="http://schemas.microsoft.com/office/drawing/2014/main" xmlns="" id="{57E3DE7A-6CAB-427B-93B0-D2FFB4DD3784}"/>
+                <a16:creationId xmlns="" xmlns:a16="http://schemas.microsoft.com/office/drawing/2014/main" id="{57E3DE7A-6CAB-427B-93B0-D2FFB4DD3784}"/>
               </a:ext>
             </a:extLst>
           </p:cNvPr>
@@ -4924,7 +6140,7 @@
           <p:cNvPr id="12" name="Imatge 3">
             <a:extLst>
               <a:ext uri="{FF2B5EF4-FFF2-40B4-BE49-F238E27FC236}">
-                <a16:creationId xmlns:a16="http://schemas.microsoft.com/office/drawing/2014/main" xmlns="" id="{57E3DE7A-6CAB-427B-93B0-D2FFB4DD3784}"/>
+                <a16:creationId xmlns="" xmlns:a16="http://schemas.microsoft.com/office/drawing/2014/main" id="{57E3DE7A-6CAB-427B-93B0-D2FFB4DD3784}"/>
               </a:ext>
             </a:extLst>
           </p:cNvPr>
@@ -5233,7 +6449,7 @@
           <p:cNvPr id="12" name="Imatge 3">
             <a:extLst>
               <a:ext uri="{FF2B5EF4-FFF2-40B4-BE49-F238E27FC236}">
-                <a16:creationId xmlns:a16="http://schemas.microsoft.com/office/drawing/2014/main" xmlns="" id="{57E3DE7A-6CAB-427B-93B0-D2FFB4DD3784}"/>
+                <a16:creationId xmlns="" xmlns:a16="http://schemas.microsoft.com/office/drawing/2014/main" id="{57E3DE7A-6CAB-427B-93B0-D2FFB4DD3784}"/>
               </a:ext>
             </a:extLst>
           </p:cNvPr>
@@ -5438,89 +6654,9 @@
                   <a:srgbClr val="008000"/>
                 </a:solidFill>
               </a:rPr>
-              <a:t>	Q</a:t>
-            </a:r>
-            <a:r>
-              <a:rPr lang="fr-FR" sz="2200" dirty="0">
-                <a:solidFill>
-                  <a:srgbClr val="008000"/>
-                </a:solidFill>
-              </a:rPr>
-              <a:t>(a(</a:t>
-            </a:r>
-            <a:r>
-              <a:rPr lang="fr-FR" sz="2200" dirty="0" err="1">
-                <a:solidFill>
-                  <a:srgbClr val="008000"/>
-                </a:solidFill>
-              </a:rPr>
-              <a:t>t</a:t>
-            </a:r>
-            <a:r>
-              <a:rPr lang="fr-FR" sz="2200" dirty="0">
-                <a:solidFill>
-                  <a:srgbClr val="008000"/>
-                </a:solidFill>
-              </a:rPr>
-              <a:t>)) = Q(a(</a:t>
-            </a:r>
-            <a:r>
-              <a:rPr lang="fr-FR" sz="2200" dirty="0" err="1">
-                <a:solidFill>
-                  <a:srgbClr val="008000"/>
-                </a:solidFill>
-              </a:rPr>
-              <a:t>t</a:t>
-            </a:r>
-            <a:r>
-              <a:rPr lang="fr-FR" sz="2200" dirty="0">
-                <a:solidFill>
-                  <a:srgbClr val="008000"/>
-                </a:solidFill>
-              </a:rPr>
-              <a:t>)) + alpha * r(</a:t>
-            </a:r>
-            <a:r>
-              <a:rPr lang="fr-FR" sz="2200" dirty="0" err="1">
-                <a:solidFill>
-                  <a:srgbClr val="008000"/>
-                </a:solidFill>
-              </a:rPr>
-              <a:t>t</a:t>
-            </a:r>
-            <a:r>
-              <a:rPr lang="fr-FR" sz="2200" dirty="0">
-                <a:solidFill>
-                  <a:srgbClr val="008000"/>
-                </a:solidFill>
-              </a:rPr>
-              <a:t>) - Q(a(</a:t>
-            </a:r>
-            <a:r>
-              <a:rPr lang="fr-FR" sz="2200" dirty="0" err="1">
-                <a:solidFill>
-                  <a:srgbClr val="008000"/>
-                </a:solidFill>
-              </a:rPr>
-              <a:t>t</a:t>
-            </a:r>
-            <a:r>
-              <a:rPr lang="fr-FR" sz="2200" dirty="0">
-                <a:solidFill>
-                  <a:srgbClr val="008000"/>
-                </a:solidFill>
-              </a:rPr>
-              <a:t>)</a:t>
-            </a:r>
-            <a:r>
-              <a:rPr lang="fr-FR" sz="2200" dirty="0" smtClean="0">
-                <a:solidFill>
-                  <a:srgbClr val="008000"/>
-                </a:solidFill>
-              </a:rPr>
-              <a:t>)</a:t>
-            </a:r>
-            <a:endParaRPr lang="fr-FR" sz="2200" dirty="0">
+              <a:t>	</a:t>
+            </a:r>
+            <a:endParaRPr lang="fr-FR" sz="2200" dirty="0" smtClean="0">
               <a:solidFill>
                 <a:srgbClr val="008000"/>
               </a:solidFill>
@@ -5535,8 +6671,34 @@
           <a:p>
             <a:r>
               <a:rPr lang="en-GB" sz="2800" dirty="0" smtClean="0"/>
-              <a:t>Model 4. Choice kernel (repeat previous action)</a:t>
-            </a:r>
+              <a:t>Model 4. Choice kernel </a:t>
+            </a:r>
+            <a:r>
+              <a:rPr lang="en-GB" sz="2800" dirty="0" smtClean="0"/>
+              <a:t>(captures tendency to repeat </a:t>
+            </a:r>
+            <a:r>
+              <a:rPr lang="en-GB" sz="2800" dirty="0" smtClean="0"/>
+              <a:t>previous action)</a:t>
+            </a:r>
+          </a:p>
+          <a:p>
+            <a:pPr marL="0" indent="0">
+              <a:buNone/>
+            </a:pPr>
+            <a:r>
+              <a:rPr lang="fr-FR" dirty="0" smtClean="0">
+                <a:solidFill>
+                  <a:srgbClr val="008000"/>
+                </a:solidFill>
+              </a:rPr>
+              <a:t>		</a:t>
+            </a:r>
+            <a:endParaRPr lang="fr-FR" sz="2400" dirty="0" smtClean="0">
+              <a:solidFill>
+                <a:srgbClr val="008000"/>
+              </a:solidFill>
+            </a:endParaRPr>
           </a:p>
           <a:p>
             <a:endParaRPr lang="en-GB" sz="2800" dirty="0" smtClean="0"/>
@@ -5547,24 +6709,16 @@
               <a:buChar char=""/>
             </a:pPr>
             <a:r>
-              <a:rPr lang="en-GB" sz="2800" dirty="0" smtClean="0"/>
-              <a:t> folder </a:t>
-            </a:r>
-            <a:r>
-              <a:rPr lang="en-GB" sz="2800" i="1" dirty="0" smtClean="0"/>
-              <a:t>Simulations</a:t>
-            </a:r>
-            <a:r>
-              <a:rPr lang="en-GB" sz="2800" dirty="0" smtClean="0"/>
-              <a:t>: </a:t>
-            </a:r>
-            <a:r>
               <a:rPr lang="en-GB" dirty="0" smtClean="0"/>
               <a:t>G</a:t>
             </a:r>
             <a:r>
               <a:rPr lang="en-GB" sz="2800" dirty="0" smtClean="0"/>
-              <a:t>et familiar with models and data structure</a:t>
+              <a:t>et </a:t>
+            </a:r>
+            <a:r>
+              <a:rPr lang="en-GB" sz="2800" dirty="0" smtClean="0"/>
+              <a:t>familiar with models and data structure</a:t>
             </a:r>
           </a:p>
           <a:p>
@@ -5578,7 +6732,7 @@
           <p:cNvPr id="4" name="Imatge 3">
             <a:extLst>
               <a:ext uri="{FF2B5EF4-FFF2-40B4-BE49-F238E27FC236}">
-                <a16:creationId xmlns:a16="http://schemas.microsoft.com/office/drawing/2014/main" xmlns="" id="{57E3DE7A-6CAB-427B-93B0-D2FFB4DD3784}"/>
+                <a16:creationId xmlns="" xmlns:a16="http://schemas.microsoft.com/office/drawing/2014/main" id="{57E3DE7A-6CAB-427B-93B0-D2FFB4DD3784}"/>
               </a:ext>
             </a:extLst>
           </p:cNvPr>
@@ -5588,7 +6742,7 @@
           <p:nvPr/>
         </p:nvPicPr>
         <p:blipFill>
-          <a:blip r:embed="rId2" cstate="print">
+          <a:blip r:embed="rId3" cstate="print">
             <a:extLst>
               <a:ext uri="{28A0092B-C50C-407E-A947-70E740481C1C}">
                 <a14:useLocalDpi xmlns:a14="http://schemas.microsoft.com/office/drawing/2010/main" val="0"/>
@@ -5603,6 +6757,66 @@
           <a:xfrm>
             <a:off x="11353800" y="6311799"/>
             <a:ext cx="800613" cy="530406"/>
+          </a:xfrm>
+          <a:prstGeom prst="rect">
+            <a:avLst/>
+          </a:prstGeom>
+        </p:spPr>
+      </p:pic>
+      <p:pic>
+        <p:nvPicPr>
+          <p:cNvPr id="5" name="Image 4" descr="Capture d’écran 2023-07-13 à 17.31.23.png"/>
+          <p:cNvPicPr>
+            <a:picLocks noChangeAspect="1"/>
+          </p:cNvPicPr>
+          <p:nvPr/>
+        </p:nvPicPr>
+        <p:blipFill>
+          <a:blip r:embed="rId4">
+            <a:extLst>
+              <a:ext uri="{28A0092B-C50C-407E-A947-70E740481C1C}">
+                <a14:useLocalDpi xmlns:a14="http://schemas.microsoft.com/office/drawing/2010/main" val="0"/>
+              </a:ext>
+            </a:extLst>
+          </a:blip>
+          <a:stretch>
+            <a:fillRect/>
+          </a:stretch>
+        </p:blipFill>
+        <p:spPr>
+          <a:xfrm>
+            <a:off x="4104823" y="3993318"/>
+            <a:ext cx="3937000" cy="685800"/>
+          </a:xfrm>
+          <a:prstGeom prst="rect">
+            <a:avLst/>
+          </a:prstGeom>
+        </p:spPr>
+      </p:pic>
+      <p:pic>
+        <p:nvPicPr>
+          <p:cNvPr id="6" name="Image 5" descr="Capture d’écran 2023-07-13 à 17.31.31.png"/>
+          <p:cNvPicPr>
+            <a:picLocks noChangeAspect="1"/>
+          </p:cNvPicPr>
+          <p:nvPr/>
+        </p:nvPicPr>
+        <p:blipFill>
+          <a:blip r:embed="rId5">
+            <a:extLst>
+              <a:ext uri="{28A0092B-C50C-407E-A947-70E740481C1C}">
+                <a14:useLocalDpi xmlns:a14="http://schemas.microsoft.com/office/drawing/2010/main" val="0"/>
+              </a:ext>
+            </a:extLst>
+          </a:blip>
+          <a:stretch>
+            <a:fillRect/>
+          </a:stretch>
+        </p:blipFill>
+        <p:spPr>
+          <a:xfrm>
+            <a:off x="4550683" y="2549928"/>
+            <a:ext cx="3009900" cy="533400"/>
           </a:xfrm>
           <a:prstGeom prst="rect">
             <a:avLst/>
@@ -5733,7 +6947,7 @@
           <p:cNvPr id="6" name="Imatge 3">
             <a:extLst>
               <a:ext uri="{FF2B5EF4-FFF2-40B4-BE49-F238E27FC236}">
-                <a16:creationId xmlns:a16="http://schemas.microsoft.com/office/drawing/2014/main" xmlns="" id="{57E3DE7A-6CAB-427B-93B0-D2FFB4DD3784}"/>
+                <a16:creationId xmlns="" xmlns:a16="http://schemas.microsoft.com/office/drawing/2014/main" id="{57E3DE7A-6CAB-427B-93B0-D2FFB4DD3784}"/>
               </a:ext>
             </a:extLst>
           </p:cNvPr>
@@ -6033,15 +7247,7 @@
                   <a:srgbClr val="FF0000"/>
                 </a:solidFill>
               </a:rPr>
-              <a:t>Model </a:t>
-            </a:r>
-            <a:r>
-              <a:rPr lang="en-GB" sz="2200" dirty="0" smtClean="0">
-                <a:solidFill>
-                  <a:srgbClr val="FF0000"/>
-                </a:solidFill>
-              </a:rPr>
-              <a:t>simulations</a:t>
+              <a:t>Model simulations</a:t>
             </a:r>
           </a:p>
           <a:p>
@@ -6055,15 +7261,7 @@
                   <a:srgbClr val="FF0000"/>
                 </a:solidFill>
               </a:rPr>
-              <a:t>Parameter </a:t>
-            </a:r>
-            <a:r>
-              <a:rPr lang="en-GB" sz="2200" dirty="0" smtClean="0">
-                <a:solidFill>
-                  <a:srgbClr val="FF0000"/>
-                </a:solidFill>
-              </a:rPr>
-              <a:t>recovery</a:t>
+              <a:t>Parameter recovery</a:t>
             </a:r>
           </a:p>
           <a:p>
@@ -6180,7 +7378,7 @@
           <p:cNvPr id="13" name="Imatge 3">
             <a:extLst>
               <a:ext uri="{FF2B5EF4-FFF2-40B4-BE49-F238E27FC236}">
-                <a16:creationId xmlns:a16="http://schemas.microsoft.com/office/drawing/2014/main" xmlns="" id="{57E3DE7A-6CAB-427B-93B0-D2FFB4DD3784}"/>
+                <a16:creationId xmlns="" xmlns:a16="http://schemas.microsoft.com/office/drawing/2014/main" id="{57E3DE7A-6CAB-427B-93B0-D2FFB4DD3784}"/>
               </a:ext>
             </a:extLst>
           </p:cNvPr>
@@ -6599,7 +7797,7 @@
           <p:cNvPr id="5" name="Imatge 3">
             <a:extLst>
               <a:ext uri="{FF2B5EF4-FFF2-40B4-BE49-F238E27FC236}">
-                <a16:creationId xmlns:a16="http://schemas.microsoft.com/office/drawing/2014/main" xmlns="" id="{57E3DE7A-6CAB-427B-93B0-D2FFB4DD3784}"/>
+                <a16:creationId xmlns="" xmlns:a16="http://schemas.microsoft.com/office/drawing/2014/main" id="{57E3DE7A-6CAB-427B-93B0-D2FFB4DD3784}"/>
               </a:ext>
             </a:extLst>
           </p:cNvPr>
@@ -6782,7 +7980,6 @@
               <a:rPr lang="en-GB" sz="2400" dirty="0" smtClean="0"/>
               <a:t>		</a:t>
             </a:r>
-            <a:endParaRPr lang="en-GB" sz="2400" dirty="0" smtClean="0"/>
           </a:p>
           <a:p>
             <a:pPr marL="0" indent="0">
@@ -6933,7 +8130,7 @@
           <p:cNvPr id="6" name="Imatge 3">
             <a:extLst>
               <a:ext uri="{FF2B5EF4-FFF2-40B4-BE49-F238E27FC236}">
-                <a16:creationId xmlns:a16="http://schemas.microsoft.com/office/drawing/2014/main" xmlns="" id="{57E3DE7A-6CAB-427B-93B0-D2FFB4DD3784}"/>
+                <a16:creationId xmlns="" xmlns:a16="http://schemas.microsoft.com/office/drawing/2014/main" id="{57E3DE7A-6CAB-427B-93B0-D2FFB4DD3784}"/>
               </a:ext>
             </a:extLst>
           </p:cNvPr>
@@ -7239,7 +8436,7 @@
   <a:extraClrSchemeLst/>
   <a:extLst>
     <a:ext uri="{05A4C25C-085E-4340-85A3-A5531E510DB2}">
-      <thm15:themeFamily xmlns:thm15="http://schemas.microsoft.com/office/thememl/2012/main" xmlns="" name="Office Theme" id="{62F939B6-93AF-4DB8-9C6B-D6C7DFDC589F}" vid="{4A3C46E8-61CC-4603-A589-7422A47A8E4A}"/>
+      <thm15:themeFamily xmlns="" xmlns:thm15="http://schemas.microsoft.com/office/thememl/2012/main" name="Office Theme" id="{62F939B6-93AF-4DB8-9C6B-D6C7DFDC589F}" vid="{4A3C46E8-61CC-4603-A589-7422A47A8E4A}"/>
     </a:ext>
   </a:extLst>
 </a:theme>
